--- a/Designs.pptx
+++ b/Designs.pptx
@@ -105,6 +105,11 @@
       </a:defRPr>
     </a:lvl9pPr>
   </p:defaultTextStyle>
+  <p:extLst>
+    <p:ext uri="{EFAFB233-063F-42B5-8137-9DF3F51BA10A}">
+      <p15:sldGuideLst xmlns:p15="http://schemas.microsoft.com/office/powerpoint/2012/main"/>
+    </p:ext>
+  </p:extLst>
 </p:presentation>
 </file>
 
@@ -3357,7 +3362,7 @@
         </p:nvSpPr>
         <p:spPr>
           <a:xfrm>
-            <a:off x="1645920" y="1300479"/>
+            <a:off x="1531620" y="1910079"/>
             <a:ext cx="1468756" cy="995045"/>
           </a:xfrm>
           <a:prstGeom prst="roundRect">
@@ -3394,8 +3399,8 @@
                     <a:lumOff val="5000"/>
                   </a:schemeClr>
                 </a:solidFill>
-                <a:latin typeface="Aharoni" panose="02010803020104030203" pitchFamily="2" charset="-79"/>
-                <a:cs typeface="Aharoni" panose="02010803020104030203" pitchFamily="2" charset="-79"/>
+                <a:latin typeface="Arial" panose="020B0604020202020204" pitchFamily="34" charset="0"/>
+                <a:cs typeface="Arial" panose="020B0604020202020204" pitchFamily="34" charset="0"/>
               </a:rPr>
               <a:t>Client Requester</a:t>
             </a:r>
@@ -3416,7 +3421,7 @@
         </p:nvSpPr>
         <p:spPr>
           <a:xfrm>
-            <a:off x="1656399" y="3135943"/>
+            <a:off x="1542099" y="3745543"/>
             <a:ext cx="1468756" cy="995045"/>
           </a:xfrm>
           <a:prstGeom prst="roundRect">
@@ -3453,8 +3458,8 @@
                     <a:lumOff val="5000"/>
                   </a:schemeClr>
                 </a:solidFill>
-                <a:latin typeface="Aharoni" panose="02010803020104030203" pitchFamily="2" charset="-79"/>
-                <a:cs typeface="Aharoni" panose="02010803020104030203" pitchFamily="2" charset="-79"/>
+                <a:latin typeface="Arial" panose="020B0604020202020204" pitchFamily="34" charset="0"/>
+                <a:cs typeface="Arial" panose="020B0604020202020204" pitchFamily="34" charset="0"/>
               </a:rPr>
               <a:t>Client Responder</a:t>
             </a:r>
@@ -3475,7 +3480,7 @@
         </p:nvSpPr>
         <p:spPr>
           <a:xfrm>
-            <a:off x="7218045" y="2140898"/>
+            <a:off x="7103745" y="2750498"/>
             <a:ext cx="1468756" cy="995045"/>
           </a:xfrm>
           <a:prstGeom prst="roundRect">
@@ -3512,8 +3517,8 @@
                     <a:lumOff val="5000"/>
                   </a:schemeClr>
                 </a:solidFill>
-                <a:latin typeface="Aharoni" panose="02010803020104030203" pitchFamily="2" charset="-79"/>
-                <a:cs typeface="Aharoni" panose="02010803020104030203" pitchFamily="2" charset="-79"/>
+                <a:latin typeface="Arial" panose="020B0604020202020204" pitchFamily="34" charset="0"/>
+                <a:cs typeface="Arial" panose="020B0604020202020204" pitchFamily="34" charset="0"/>
               </a:rPr>
               <a:t>Server Requester</a:t>
             </a:r>
@@ -3534,7 +3539,7 @@
         </p:nvSpPr>
         <p:spPr>
           <a:xfrm>
-            <a:off x="7113270" y="531176"/>
+            <a:off x="6998970" y="1140776"/>
             <a:ext cx="1468756" cy="995045"/>
           </a:xfrm>
           <a:prstGeom prst="roundRect">
@@ -3571,8 +3576,8 @@
                     <a:lumOff val="5000"/>
                   </a:schemeClr>
                 </a:solidFill>
-                <a:latin typeface="Aharoni" panose="02010803020104030203" pitchFamily="2" charset="-79"/>
-                <a:cs typeface="Aharoni" panose="02010803020104030203" pitchFamily="2" charset="-79"/>
+                <a:latin typeface="Arial" panose="020B0604020202020204" pitchFamily="34" charset="0"/>
+                <a:cs typeface="Arial" panose="020B0604020202020204" pitchFamily="34" charset="0"/>
               </a:rPr>
               <a:t>Server Responder</a:t>
             </a:r>
@@ -3596,7 +3601,7 @@
         </p:nvCxnSpPr>
         <p:spPr>
           <a:xfrm rot="16200000" flipH="1">
-            <a:off x="6047603" y="1467979"/>
+            <a:off x="5933303" y="2077579"/>
             <a:ext cx="1628412" cy="712472"/>
           </a:xfrm>
           <a:prstGeom prst="bentConnector2">
@@ -3639,7 +3644,7 @@
         </p:nvCxnSpPr>
         <p:spPr>
           <a:xfrm flipV="1">
-            <a:off x="3114676" y="1028699"/>
+            <a:off x="3000376" y="1638299"/>
             <a:ext cx="3998594" cy="769303"/>
           </a:xfrm>
           <a:prstGeom prst="bentConnector3">
@@ -3685,7 +3690,7 @@
         </p:nvCxnSpPr>
         <p:spPr>
           <a:xfrm flipV="1">
-            <a:off x="3125155" y="3135943"/>
+            <a:off x="3010855" y="3745543"/>
             <a:ext cx="4827268" cy="497523"/>
           </a:xfrm>
           <a:prstGeom prst="bentConnector2">
@@ -3725,8 +3730,8 @@
         </p:nvSpPr>
         <p:spPr>
           <a:xfrm>
-            <a:off x="742477" y="1387721"/>
-            <a:ext cx="1353502" cy="276999"/>
+            <a:off x="426244" y="1997321"/>
+            <a:ext cx="1555435" cy="276999"/>
           </a:xfrm>
           <a:prstGeom prst="rect">
             <a:avLst/>
@@ -3745,11 +3750,15 @@
                   <a:srgbClr val="660066"/>
                 </a:solidFill>
                 <a:effectLst/>
-                <a:latin typeface="Monaco"/>
+                <a:latin typeface="Arial" panose="020B0604020202020204" pitchFamily="34" charset="0"/>
+                <a:cs typeface="Arial" panose="020B0604020202020204" pitchFamily="34" charset="0"/>
               </a:rPr>
               <a:t>RSocketRequester </a:t>
             </a:r>
-            <a:endParaRPr lang="en-IN" sz="1200" b="1" dirty="0"/>
+            <a:endParaRPr lang="en-IN" sz="1200" b="1" dirty="0">
+              <a:latin typeface="Arial" panose="020B0604020202020204" pitchFamily="34" charset="0"/>
+              <a:cs typeface="Arial" panose="020B0604020202020204" pitchFamily="34" charset="0"/>
+            </a:endParaRPr>
           </a:p>
         </p:txBody>
       </p:sp>
@@ -3769,8 +3778,8 @@
         </p:nvSpPr>
         <p:spPr bwMode="auto">
           <a:xfrm>
-            <a:off x="7847648" y="531176"/>
-            <a:ext cx="3048002" cy="276999"/>
+            <a:off x="7838123" y="1153982"/>
+            <a:ext cx="3649027" cy="276999"/>
           </a:xfrm>
           <a:prstGeom prst="rect">
             <a:avLst/>
@@ -3788,7 +3797,8 @@
                 <a:solidFill>
                   <a:srgbClr val="660066"/>
                 </a:solidFill>
-                <a:latin typeface="Monaco"/>
+                <a:latin typeface="Arial" panose="020B0604020202020204" pitchFamily="34" charset="0"/>
+                <a:cs typeface="Arial" panose="020B0604020202020204" pitchFamily="34" charset="0"/>
               </a:rPr>
               <a:t>@MessageMapping and @ConnectMapping </a:t>
             </a:r>
@@ -3809,8 +3819,8 @@
         </p:nvSpPr>
         <p:spPr>
           <a:xfrm>
-            <a:off x="8323422" y="2157022"/>
-            <a:ext cx="1353502" cy="276999"/>
+            <a:off x="8209121" y="2766622"/>
+            <a:ext cx="2285521" cy="276999"/>
           </a:xfrm>
           <a:prstGeom prst="rect">
             <a:avLst/>
@@ -3829,11 +3839,15 @@
                   <a:srgbClr val="660066"/>
                 </a:solidFill>
                 <a:effectLst/>
-                <a:latin typeface="Monaco"/>
+                <a:latin typeface="Arial" panose="020B0604020202020204" pitchFamily="34" charset="0"/>
+                <a:cs typeface="Arial" panose="020B0604020202020204" pitchFamily="34" charset="0"/>
               </a:rPr>
               <a:t>RSocketRequester </a:t>
             </a:r>
-            <a:endParaRPr lang="en-IN" sz="1200" b="1" dirty="0"/>
+            <a:endParaRPr lang="en-IN" sz="1200" b="1" dirty="0">
+              <a:latin typeface="Arial" panose="020B0604020202020204" pitchFamily="34" charset="0"/>
+              <a:cs typeface="Arial" panose="020B0604020202020204" pitchFamily="34" charset="0"/>
+            </a:endParaRPr>
           </a:p>
         </p:txBody>
       </p:sp>
@@ -3851,7 +3865,7 @@
         </p:nvSpPr>
         <p:spPr>
           <a:xfrm>
-            <a:off x="854871" y="3246204"/>
+            <a:off x="740571" y="3855804"/>
             <a:ext cx="1468755" cy="276999"/>
           </a:xfrm>
           <a:prstGeom prst="rect">
@@ -3879,7 +3893,10 @@
           </a:lstStyle>
           <a:p>
             <a:r>
-              <a:rPr lang="en-IN" dirty="0"/>
+              <a:rPr lang="en-IN" dirty="0">
+                <a:latin typeface="Arial" panose="020B0604020202020204" pitchFamily="34" charset="0"/>
+                <a:cs typeface="Arial" panose="020B0604020202020204" pitchFamily="34" charset="0"/>
+              </a:rPr>
               <a:t>SocketAcceptor</a:t>
             </a:r>
           </a:p>
@@ -3899,7 +3916,7 @@
         </p:nvSpPr>
         <p:spPr>
           <a:xfrm>
-            <a:off x="1884999" y="4988859"/>
+            <a:off x="1770699" y="5598459"/>
             <a:ext cx="1468756" cy="995045"/>
           </a:xfrm>
           <a:prstGeom prst="roundRect">
@@ -3936,8 +3953,8 @@
                     <a:lumOff val="5000"/>
                   </a:schemeClr>
                 </a:solidFill>
-                <a:latin typeface="Aharoni" panose="02010803020104030203" pitchFamily="2" charset="-79"/>
-                <a:cs typeface="Aharoni" panose="02010803020104030203" pitchFamily="2" charset="-79"/>
+                <a:latin typeface="Arial" panose="020B0604020202020204" pitchFamily="34" charset="0"/>
+                <a:cs typeface="Arial" panose="020B0604020202020204" pitchFamily="34" charset="0"/>
               </a:rPr>
               <a:t>Controller</a:t>
             </a:r>
@@ -3962,7 +3979,7 @@
         </p:nvCxnSpPr>
         <p:spPr>
           <a:xfrm rot="16200000" flipH="1">
-            <a:off x="2076142" y="4445623"/>
+            <a:off x="1961842" y="5055223"/>
             <a:ext cx="857871" cy="228600"/>
           </a:xfrm>
           <a:prstGeom prst="bentConnector3">
@@ -4007,7 +4024,7 @@
         </p:nvCxnSpPr>
         <p:spPr>
           <a:xfrm rot="16200000" flipH="1">
-            <a:off x="1965328" y="2710493"/>
+            <a:off x="1851028" y="3320093"/>
             <a:ext cx="840419" cy="10479"/>
           </a:xfrm>
           <a:prstGeom prst="bentConnector3">
@@ -4034,6 +4051,93 @@
           </a:fontRef>
         </p:style>
       </p:cxnSp>
+      <p:sp>
+        <p:nvSpPr>
+          <p:cNvPr id="18" name="TextBox 17">
+            <a:extLst>
+              <a:ext uri="{FF2B5EF4-FFF2-40B4-BE49-F238E27FC236}">
+                <a16:creationId xmlns:a16="http://schemas.microsoft.com/office/drawing/2014/main" id="{FD595345-848F-438B-A9A7-A1C9DE00E2CE}"/>
+              </a:ext>
+            </a:extLst>
+          </p:cNvPr>
+          <p:cNvSpPr txBox="1"/>
+          <p:nvPr/>
+        </p:nvSpPr>
+        <p:spPr>
+          <a:xfrm>
+            <a:off x="3343271" y="486538"/>
+            <a:ext cx="3048002" cy="1446550"/>
+          </a:xfrm>
+          <a:prstGeom prst="rect">
+            <a:avLst/>
+          </a:prstGeom>
+          <a:noFill/>
+        </p:spPr>
+        <p:txBody>
+          <a:bodyPr wrap="square">
+            <a:spAutoFit/>
+          </a:bodyPr>
+          <a:lstStyle/>
+          <a:p>
+            <a:r>
+              <a:rPr lang="en-US" sz="1100" b="1" dirty="0">
+                <a:latin typeface="Arial" panose="020B0604020202020204" pitchFamily="34" charset="0"/>
+                <a:cs typeface="Arial" panose="020B0604020202020204" pitchFamily="34" charset="0"/>
+              </a:rPr>
+              <a:t>SETUP </a:t>
+            </a:r>
+          </a:p>
+          <a:p>
+            <a:r>
+              <a:rPr lang="en-US" sz="1100" b="1" dirty="0">
+                <a:latin typeface="Arial" panose="020B0604020202020204" pitchFamily="34" charset="0"/>
+                <a:cs typeface="Arial" panose="020B0604020202020204" pitchFamily="34" charset="0"/>
+              </a:rPr>
+              <a:t>LEASE </a:t>
+            </a:r>
+          </a:p>
+          <a:p>
+            <a:r>
+              <a:rPr lang="en-US" sz="1100" b="1" dirty="0">
+                <a:latin typeface="Arial" panose="020B0604020202020204" pitchFamily="34" charset="0"/>
+                <a:cs typeface="Arial" panose="020B0604020202020204" pitchFamily="34" charset="0"/>
+              </a:rPr>
+              <a:t>REQUEST_RESPONSE, REQUEST_STREAM, REQUEST_CHANNEL, or REQUEST_FNF</a:t>
+            </a:r>
+          </a:p>
+          <a:p>
+            <a:r>
+              <a:rPr lang="en-US" sz="1100" b="1" dirty="0">
+                <a:latin typeface="Arial" panose="020B0604020202020204" pitchFamily="34" charset="0"/>
+                <a:cs typeface="Arial" panose="020B0604020202020204" pitchFamily="34" charset="0"/>
+              </a:rPr>
+              <a:t>PAYLOAD </a:t>
+            </a:r>
+          </a:p>
+          <a:p>
+            <a:r>
+              <a:rPr lang="en-US" sz="1100" b="1" dirty="0">
+                <a:latin typeface="Arial" panose="020B0604020202020204" pitchFamily="34" charset="0"/>
+                <a:cs typeface="Arial" panose="020B0604020202020204" pitchFamily="34" charset="0"/>
+              </a:rPr>
+              <a:t>REQUEST_N</a:t>
+            </a:r>
+          </a:p>
+          <a:p>
+            <a:r>
+              <a:rPr lang="en-US" sz="1100" b="1" dirty="0">
+                <a:latin typeface="Arial" panose="020B0604020202020204" pitchFamily="34" charset="0"/>
+                <a:cs typeface="Arial" panose="020B0604020202020204" pitchFamily="34" charset="0"/>
+              </a:rPr>
+              <a:t>METADATA_PUSH</a:t>
+            </a:r>
+            <a:endParaRPr lang="en-IN" sz="1100" b="1" dirty="0">
+              <a:latin typeface="Arial" panose="020B0604020202020204" pitchFamily="34" charset="0"/>
+              <a:cs typeface="Arial" panose="020B0604020202020204" pitchFamily="34" charset="0"/>
+            </a:endParaRPr>
+          </a:p>
+        </p:txBody>
+      </p:sp>
     </p:spTree>
     <p:extLst>
       <p:ext uri="{BB962C8B-B14F-4D97-AF65-F5344CB8AC3E}">

--- a/Designs.pptx
+++ b/Designs.pptx
@@ -3608,6 +3608,7 @@
             <a:avLst/>
           </a:prstGeom>
           <a:ln>
+            <a:prstDash val="dash"/>
             <a:tailEnd type="triangle"/>
           </a:ln>
         </p:spPr>
@@ -3653,7 +3654,11 @@
             </a:avLst>
           </a:prstGeom>
           <a:ln>
-            <a:headEnd type="triangle" w="med" len="med"/>
+            <a:solidFill>
+              <a:schemeClr val="accent1"/>
+            </a:solidFill>
+            <a:prstDash val="dash"/>
+            <a:headEnd type="none" w="med" len="med"/>
             <a:tailEnd type="triangle" w="med" len="med"/>
           </a:ln>
         </p:spPr>
@@ -3697,8 +3702,9 @@
             <a:avLst/>
           </a:prstGeom>
           <a:ln>
+            <a:prstDash val="dash"/>
             <a:headEnd type="triangle" w="med" len="med"/>
-            <a:tailEnd type="triangle" w="med" len="med"/>
+            <a:tailEnd type="none" w="med" len="med"/>
           </a:ln>
         </p:spPr>
         <p:style>
@@ -4065,7 +4071,7 @@
         </p:nvSpPr>
         <p:spPr>
           <a:xfrm>
-            <a:off x="3343271" y="486538"/>
+            <a:off x="3239455" y="0"/>
             <a:ext cx="3048002" cy="1446550"/>
           </a:xfrm>
           <a:prstGeom prst="rect">
@@ -4132,6 +4138,432 @@
               <a:t>METADATA_PUSH</a:t>
             </a:r>
             <a:endParaRPr lang="en-IN" sz="1100" b="1" dirty="0">
+              <a:latin typeface="Arial" panose="020B0604020202020204" pitchFamily="34" charset="0"/>
+              <a:cs typeface="Arial" panose="020B0604020202020204" pitchFamily="34" charset="0"/>
+            </a:endParaRPr>
+          </a:p>
+        </p:txBody>
+      </p:sp>
+      <p:cxnSp>
+        <p:nvCxnSpPr>
+          <p:cNvPr id="17" name="Connector: Elbow 16">
+            <a:extLst>
+              <a:ext uri="{FF2B5EF4-FFF2-40B4-BE49-F238E27FC236}">
+                <a16:creationId xmlns:a16="http://schemas.microsoft.com/office/drawing/2014/main" id="{58940B2D-06A2-4BCF-8094-5D7E6614A3E0}"/>
+              </a:ext>
+            </a:extLst>
+          </p:cNvPr>
+          <p:cNvCxnSpPr>
+            <a:cxnSpLocks/>
+          </p:cNvCxnSpPr>
+          <p:nvPr/>
+        </p:nvCxnSpPr>
+        <p:spPr>
+          <a:xfrm flipV="1">
+            <a:off x="2992757" y="1324807"/>
+            <a:ext cx="3998594" cy="769303"/>
+          </a:xfrm>
+          <a:prstGeom prst="bentConnector3">
+            <a:avLst>
+              <a:gd name="adj1" fmla="val 44283"/>
+            </a:avLst>
+          </a:prstGeom>
+          <a:ln>
+            <a:prstDash val="dash"/>
+            <a:headEnd type="triangle" w="med" len="med"/>
+            <a:tailEnd type="none" w="med" len="med"/>
+          </a:ln>
+        </p:spPr>
+        <p:style>
+          <a:lnRef idx="1">
+            <a:schemeClr val="accent1"/>
+          </a:lnRef>
+          <a:fillRef idx="0">
+            <a:schemeClr val="accent1"/>
+          </a:fillRef>
+          <a:effectRef idx="0">
+            <a:schemeClr val="accent1"/>
+          </a:effectRef>
+          <a:fontRef idx="minor">
+            <a:schemeClr val="tx1"/>
+          </a:fontRef>
+        </p:style>
+      </p:cxnSp>
+      <p:sp>
+        <p:nvSpPr>
+          <p:cNvPr id="19" name="TextBox 18">
+            <a:extLst>
+              <a:ext uri="{FF2B5EF4-FFF2-40B4-BE49-F238E27FC236}">
+                <a16:creationId xmlns:a16="http://schemas.microsoft.com/office/drawing/2014/main" id="{A3B6F556-A3A8-4582-83B3-7FEE26DDBDAE}"/>
+              </a:ext>
+            </a:extLst>
+          </p:cNvPr>
+          <p:cNvSpPr txBox="1"/>
+          <p:nvPr/>
+        </p:nvSpPr>
+        <p:spPr>
+          <a:xfrm>
+            <a:off x="1962628" y="3176904"/>
+            <a:ext cx="800103" cy="261610"/>
+          </a:xfrm>
+          <a:prstGeom prst="rect">
+            <a:avLst/>
+          </a:prstGeom>
+          <a:noFill/>
+        </p:spPr>
+        <p:txBody>
+          <a:bodyPr wrap="square">
+            <a:spAutoFit/>
+          </a:bodyPr>
+          <a:lstStyle/>
+          <a:p>
+            <a:r>
+              <a:rPr lang="en-US" sz="1100" b="1" dirty="0">
+                <a:highlight>
+                  <a:srgbClr val="FFFF00"/>
+                </a:highlight>
+                <a:latin typeface="Arial" panose="020B0604020202020204" pitchFamily="34" charset="0"/>
+                <a:cs typeface="Arial" panose="020B0604020202020204" pitchFamily="34" charset="0"/>
+              </a:rPr>
+              <a:t>wiring</a:t>
+            </a:r>
+            <a:endParaRPr lang="en-IN" sz="1100" b="1" dirty="0">
+              <a:highlight>
+                <a:srgbClr val="FFFF00"/>
+              </a:highlight>
+              <a:latin typeface="Arial" panose="020B0604020202020204" pitchFamily="34" charset="0"/>
+              <a:cs typeface="Arial" panose="020B0604020202020204" pitchFamily="34" charset="0"/>
+            </a:endParaRPr>
+          </a:p>
+        </p:txBody>
+      </p:sp>
+      <p:sp>
+        <p:nvSpPr>
+          <p:cNvPr id="21" name="TextBox 20">
+            <a:extLst>
+              <a:ext uri="{FF2B5EF4-FFF2-40B4-BE49-F238E27FC236}">
+                <a16:creationId xmlns:a16="http://schemas.microsoft.com/office/drawing/2014/main" id="{7C74C221-A945-4A70-89C0-03D6CF37D4BA}"/>
+              </a:ext>
+            </a:extLst>
+          </p:cNvPr>
+          <p:cNvSpPr txBox="1"/>
+          <p:nvPr/>
+        </p:nvSpPr>
+        <p:spPr>
+          <a:xfrm>
+            <a:off x="2219804" y="5169052"/>
+            <a:ext cx="800103" cy="261610"/>
+          </a:xfrm>
+          <a:prstGeom prst="rect">
+            <a:avLst/>
+          </a:prstGeom>
+          <a:noFill/>
+        </p:spPr>
+        <p:txBody>
+          <a:bodyPr wrap="square">
+            <a:spAutoFit/>
+          </a:bodyPr>
+          <a:lstStyle/>
+          <a:p>
+            <a:r>
+              <a:rPr lang="en-US" sz="1100" b="1" dirty="0">
+                <a:highlight>
+                  <a:srgbClr val="FFFF00"/>
+                </a:highlight>
+                <a:latin typeface="Arial" panose="020B0604020202020204" pitchFamily="34" charset="0"/>
+                <a:cs typeface="Arial" panose="020B0604020202020204" pitchFamily="34" charset="0"/>
+              </a:rPr>
+              <a:t>wiring</a:t>
+            </a:r>
+            <a:endParaRPr lang="en-IN" sz="1100" b="1" dirty="0">
+              <a:highlight>
+                <a:srgbClr val="FFFF00"/>
+              </a:highlight>
+              <a:latin typeface="Arial" panose="020B0604020202020204" pitchFamily="34" charset="0"/>
+              <a:cs typeface="Arial" panose="020B0604020202020204" pitchFamily="34" charset="0"/>
+            </a:endParaRPr>
+          </a:p>
+        </p:txBody>
+      </p:sp>
+      <p:cxnSp>
+        <p:nvCxnSpPr>
+          <p:cNvPr id="22" name="Connector: Elbow 21">
+            <a:extLst>
+              <a:ext uri="{FF2B5EF4-FFF2-40B4-BE49-F238E27FC236}">
+                <a16:creationId xmlns:a16="http://schemas.microsoft.com/office/drawing/2014/main" id="{0E5A4A06-26F6-4B35-9882-6EE2F5FB29DD}"/>
+              </a:ext>
+            </a:extLst>
+          </p:cNvPr>
+          <p:cNvCxnSpPr>
+            <a:cxnSpLocks/>
+          </p:cNvCxnSpPr>
+          <p:nvPr/>
+        </p:nvCxnSpPr>
+        <p:spPr>
+          <a:xfrm flipV="1">
+            <a:off x="2992757" y="3726853"/>
+            <a:ext cx="5147784" cy="723546"/>
+          </a:xfrm>
+          <a:prstGeom prst="bentConnector3">
+            <a:avLst>
+              <a:gd name="adj1" fmla="val 99958"/>
+            </a:avLst>
+          </a:prstGeom>
+          <a:ln>
+            <a:prstDash val="dash"/>
+            <a:headEnd type="none" w="med" len="med"/>
+            <a:tailEnd type="triangle" w="med" len="med"/>
+          </a:ln>
+        </p:spPr>
+        <p:style>
+          <a:lnRef idx="1">
+            <a:schemeClr val="accent1"/>
+          </a:lnRef>
+          <a:fillRef idx="0">
+            <a:schemeClr val="accent1"/>
+          </a:fillRef>
+          <a:effectRef idx="0">
+            <a:schemeClr val="accent1"/>
+          </a:effectRef>
+          <a:fontRef idx="minor">
+            <a:schemeClr val="tx1"/>
+          </a:fontRef>
+        </p:style>
+      </p:cxnSp>
+      <p:sp>
+        <p:nvSpPr>
+          <p:cNvPr id="25" name="TextBox 24">
+            <a:extLst>
+              <a:ext uri="{FF2B5EF4-FFF2-40B4-BE49-F238E27FC236}">
+                <a16:creationId xmlns:a16="http://schemas.microsoft.com/office/drawing/2014/main" id="{93A8084E-BF27-4AFB-B1CA-CFC257EB2054}"/>
+              </a:ext>
+            </a:extLst>
+          </p:cNvPr>
+          <p:cNvSpPr txBox="1"/>
+          <p:nvPr/>
+        </p:nvSpPr>
+        <p:spPr>
+          <a:xfrm>
+            <a:off x="5647614" y="1484409"/>
+            <a:ext cx="306228" cy="307777"/>
+          </a:xfrm>
+          <a:prstGeom prst="rect">
+            <a:avLst/>
+          </a:prstGeom>
+          <a:noFill/>
+        </p:spPr>
+        <p:txBody>
+          <a:bodyPr wrap="square">
+            <a:spAutoFit/>
+          </a:bodyPr>
+          <a:lstStyle/>
+          <a:p>
+            <a:r>
+              <a:rPr lang="en-US" sz="1400" b="1" dirty="0">
+                <a:highlight>
+                  <a:srgbClr val="FFFF00"/>
+                </a:highlight>
+                <a:latin typeface="Arial" panose="020B0604020202020204" pitchFamily="34" charset="0"/>
+                <a:cs typeface="Arial" panose="020B0604020202020204" pitchFamily="34" charset="0"/>
+              </a:rPr>
+              <a:t>1</a:t>
+            </a:r>
+            <a:endParaRPr lang="en-IN" sz="1400" b="1" dirty="0">
+              <a:highlight>
+                <a:srgbClr val="FFFF00"/>
+              </a:highlight>
+              <a:latin typeface="Arial" panose="020B0604020202020204" pitchFamily="34" charset="0"/>
+              <a:cs typeface="Arial" panose="020B0604020202020204" pitchFamily="34" charset="0"/>
+            </a:endParaRPr>
+          </a:p>
+        </p:txBody>
+      </p:sp>
+      <p:sp>
+        <p:nvSpPr>
+          <p:cNvPr id="26" name="TextBox 25">
+            <a:extLst>
+              <a:ext uri="{FF2B5EF4-FFF2-40B4-BE49-F238E27FC236}">
+                <a16:creationId xmlns:a16="http://schemas.microsoft.com/office/drawing/2014/main" id="{F455CE18-EED3-4C0B-A97F-50A009D98974}"/>
+              </a:ext>
+            </a:extLst>
+          </p:cNvPr>
+          <p:cNvSpPr txBox="1"/>
+          <p:nvPr/>
+        </p:nvSpPr>
+        <p:spPr>
+          <a:xfrm>
+            <a:off x="5988847" y="1161574"/>
+            <a:ext cx="572691" cy="307777"/>
+          </a:xfrm>
+          <a:prstGeom prst="rect">
+            <a:avLst/>
+          </a:prstGeom>
+          <a:noFill/>
+        </p:spPr>
+        <p:txBody>
+          <a:bodyPr wrap="square">
+            <a:spAutoFit/>
+          </a:bodyPr>
+          <a:lstStyle/>
+          <a:p>
+            <a:r>
+              <a:rPr lang="en-US" sz="1400" b="1" dirty="0">
+                <a:highlight>
+                  <a:srgbClr val="FFFF00"/>
+                </a:highlight>
+                <a:latin typeface="Arial" panose="020B0604020202020204" pitchFamily="34" charset="0"/>
+                <a:cs typeface="Arial" panose="020B0604020202020204" pitchFamily="34" charset="0"/>
+              </a:rPr>
+              <a:t>2</a:t>
+            </a:r>
+            <a:endParaRPr lang="en-IN" sz="1400" b="1" dirty="0">
+              <a:highlight>
+                <a:srgbClr val="FFFF00"/>
+              </a:highlight>
+              <a:latin typeface="Arial" panose="020B0604020202020204" pitchFamily="34" charset="0"/>
+              <a:cs typeface="Arial" panose="020B0604020202020204" pitchFamily="34" charset="0"/>
+            </a:endParaRPr>
+          </a:p>
+        </p:txBody>
+      </p:sp>
+      <p:sp>
+        <p:nvSpPr>
+          <p:cNvPr id="27" name="TextBox 26">
+            <a:extLst>
+              <a:ext uri="{FF2B5EF4-FFF2-40B4-BE49-F238E27FC236}">
+                <a16:creationId xmlns:a16="http://schemas.microsoft.com/office/drawing/2014/main" id="{EA3C63C8-8517-40BE-BD5B-5417905D816E}"/>
+              </a:ext>
+            </a:extLst>
+          </p:cNvPr>
+          <p:cNvSpPr txBox="1"/>
+          <p:nvPr/>
+        </p:nvSpPr>
+        <p:spPr>
+          <a:xfrm>
+            <a:off x="6245430" y="2265165"/>
+            <a:ext cx="572691" cy="307777"/>
+          </a:xfrm>
+          <a:prstGeom prst="rect">
+            <a:avLst/>
+          </a:prstGeom>
+          <a:noFill/>
+        </p:spPr>
+        <p:txBody>
+          <a:bodyPr wrap="square">
+            <a:spAutoFit/>
+          </a:bodyPr>
+          <a:lstStyle/>
+          <a:p>
+            <a:r>
+              <a:rPr lang="en-US" sz="1400" b="1" dirty="0">
+                <a:highlight>
+                  <a:srgbClr val="FFFF00"/>
+                </a:highlight>
+                <a:latin typeface="Arial" panose="020B0604020202020204" pitchFamily="34" charset="0"/>
+                <a:cs typeface="Arial" panose="020B0604020202020204" pitchFamily="34" charset="0"/>
+              </a:rPr>
+              <a:t>2</a:t>
+            </a:r>
+            <a:endParaRPr lang="en-IN" sz="1400" b="1" dirty="0">
+              <a:highlight>
+                <a:srgbClr val="FFFF00"/>
+              </a:highlight>
+              <a:latin typeface="Arial" panose="020B0604020202020204" pitchFamily="34" charset="0"/>
+              <a:cs typeface="Arial" panose="020B0604020202020204" pitchFamily="34" charset="0"/>
+            </a:endParaRPr>
+          </a:p>
+        </p:txBody>
+      </p:sp>
+      <p:sp>
+        <p:nvSpPr>
+          <p:cNvPr id="28" name="TextBox 27">
+            <a:extLst>
+              <a:ext uri="{FF2B5EF4-FFF2-40B4-BE49-F238E27FC236}">
+                <a16:creationId xmlns:a16="http://schemas.microsoft.com/office/drawing/2014/main" id="{8EF8D061-94A0-4107-BBF7-CC587430AF59}"/>
+              </a:ext>
+            </a:extLst>
+          </p:cNvPr>
+          <p:cNvSpPr txBox="1"/>
+          <p:nvPr/>
+        </p:nvSpPr>
+        <p:spPr>
+          <a:xfrm>
+            <a:off x="5647615" y="4038955"/>
+            <a:ext cx="306228" cy="307777"/>
+          </a:xfrm>
+          <a:prstGeom prst="rect">
+            <a:avLst/>
+          </a:prstGeom>
+          <a:noFill/>
+        </p:spPr>
+        <p:txBody>
+          <a:bodyPr wrap="square">
+            <a:spAutoFit/>
+          </a:bodyPr>
+          <a:lstStyle/>
+          <a:p>
+            <a:r>
+              <a:rPr lang="en-US" sz="1400" b="1" dirty="0">
+                <a:highlight>
+                  <a:srgbClr val="FFFF00"/>
+                </a:highlight>
+                <a:latin typeface="Arial" panose="020B0604020202020204" pitchFamily="34" charset="0"/>
+                <a:cs typeface="Arial" panose="020B0604020202020204" pitchFamily="34" charset="0"/>
+              </a:rPr>
+              <a:t>3</a:t>
+            </a:r>
+            <a:endParaRPr lang="en-IN" sz="1400" b="1" dirty="0">
+              <a:highlight>
+                <a:srgbClr val="FFFF00"/>
+              </a:highlight>
+              <a:latin typeface="Arial" panose="020B0604020202020204" pitchFamily="34" charset="0"/>
+              <a:cs typeface="Arial" panose="020B0604020202020204" pitchFamily="34" charset="0"/>
+            </a:endParaRPr>
+          </a:p>
+        </p:txBody>
+      </p:sp>
+      <p:sp>
+        <p:nvSpPr>
+          <p:cNvPr id="32" name="TextBox 31">
+            <a:extLst>
+              <a:ext uri="{FF2B5EF4-FFF2-40B4-BE49-F238E27FC236}">
+                <a16:creationId xmlns:a16="http://schemas.microsoft.com/office/drawing/2014/main" id="{A0171BED-C746-41D1-981B-C53CB51AC4FC}"/>
+              </a:ext>
+            </a:extLst>
+          </p:cNvPr>
+          <p:cNvSpPr txBox="1"/>
+          <p:nvPr/>
+        </p:nvSpPr>
+        <p:spPr>
+          <a:xfrm>
+            <a:off x="6122078" y="4346732"/>
+            <a:ext cx="306228" cy="307777"/>
+          </a:xfrm>
+          <a:prstGeom prst="rect">
+            <a:avLst/>
+          </a:prstGeom>
+          <a:noFill/>
+        </p:spPr>
+        <p:txBody>
+          <a:bodyPr wrap="square">
+            <a:spAutoFit/>
+          </a:bodyPr>
+          <a:lstStyle/>
+          <a:p>
+            <a:r>
+              <a:rPr lang="en-US" sz="1400" b="1" dirty="0">
+                <a:highlight>
+                  <a:srgbClr val="FFFF00"/>
+                </a:highlight>
+                <a:latin typeface="Arial" panose="020B0604020202020204" pitchFamily="34" charset="0"/>
+                <a:cs typeface="Arial" panose="020B0604020202020204" pitchFamily="34" charset="0"/>
+              </a:rPr>
+              <a:t>4</a:t>
+            </a:r>
+            <a:endParaRPr lang="en-IN" sz="1400" b="1" dirty="0">
+              <a:highlight>
+                <a:srgbClr val="FFFF00"/>
+              </a:highlight>
               <a:latin typeface="Arial" panose="020B0604020202020204" pitchFamily="34" charset="0"/>
               <a:cs typeface="Arial" panose="020B0604020202020204" pitchFamily="34" charset="0"/>
             </a:endParaRPr>
